--- a/104 - Data Visualisation/104 - Data Visualisation.pptx
+++ b/104 - Data Visualisation/104 - Data Visualisation.pptx
@@ -12,11 +12,11 @@
     <p:sldId id="260" r:id="rId3"/>
     <p:sldId id="263" r:id="rId4"/>
     <p:sldId id="266" r:id="rId5"/>
-    <p:sldId id="267" r:id="rId6"/>
-    <p:sldId id="270" r:id="rId7"/>
-    <p:sldId id="269" r:id="rId8"/>
-    <p:sldId id="271" r:id="rId9"/>
-    <p:sldId id="268" r:id="rId10"/>
+    <p:sldId id="268" r:id="rId6"/>
+    <p:sldId id="267" r:id="rId7"/>
+    <p:sldId id="270" r:id="rId8"/>
+    <p:sldId id="269" r:id="rId9"/>
+    <p:sldId id="271" r:id="rId10"/>
     <p:sldId id="272" r:id="rId11"/>
   </p:sldIdLst>
   <p:sldSz cx="12192000" cy="6858000"/>
@@ -206,7 +206,7 @@
           <a:p>
             <a:fld id="{A3A8C8F4-CD58-E940-8A51-A89BC67DB5FA}" type="datetimeFigureOut">
               <a:rPr lang="en-GB" smtClean="0"/>
-              <a:t>02/12/2020</a:t>
+              <a:t>10/12/2020</a:t>
             </a:fld>
             <a:endParaRPr lang="en-GB"/>
           </a:p>
@@ -538,7 +538,7 @@
           <a:p>
             <a:fld id="{95EC290C-EB3E-F145-8210-91CB667E6810}" type="slidenum">
               <a:rPr lang="en-GB" smtClean="0"/>
-              <a:t>9</a:t>
+              <a:t>5</a:t>
             </a:fld>
             <a:endParaRPr lang="en-GB"/>
           </a:p>
@@ -2904,7 +2904,7 @@
           <a:p>
             <a:fld id="{3C04E684-10F4-4CC3-A0B9-F03AA7BE37CF}" type="datetimeFigureOut">
               <a:rPr lang="en-US" smtClean="0"/>
-              <a:t>12/2/20</a:t>
+              <a:t>12/10/20</a:t>
             </a:fld>
             <a:endParaRPr lang="en-US"/>
           </a:p>
@@ -5394,7 +5394,7 @@
           <a:p>
             <a:fld id="{3C04E684-10F4-4CC3-A0B9-F03AA7BE37CF}" type="datetimeFigureOut">
               <a:rPr lang="en-US" smtClean="0"/>
-              <a:t>12/2/20</a:t>
+              <a:t>12/10/20</a:t>
             </a:fld>
             <a:endParaRPr lang="en-US"/>
           </a:p>
@@ -5592,7 +5592,7 @@
           <a:p>
             <a:fld id="{3C04E684-10F4-4CC3-A0B9-F03AA7BE37CF}" type="datetimeFigureOut">
               <a:rPr lang="en-US" smtClean="0"/>
-              <a:t>12/2/20</a:t>
+              <a:t>12/10/20</a:t>
             </a:fld>
             <a:endParaRPr lang="en-US"/>
           </a:p>
@@ -5800,7 +5800,7 @@
           <a:p>
             <a:fld id="{3C04E684-10F4-4CC3-A0B9-F03AA7BE37CF}" type="datetimeFigureOut">
               <a:rPr lang="en-US" smtClean="0"/>
-              <a:t>12/2/20</a:t>
+              <a:t>12/10/20</a:t>
             </a:fld>
             <a:endParaRPr lang="en-US"/>
           </a:p>
@@ -6537,7 +6537,7 @@
           <a:p>
             <a:fld id="{3C04E684-10F4-4CC3-A0B9-F03AA7BE37CF}" type="datetimeFigureOut">
               <a:rPr lang="en-US" smtClean="0"/>
-              <a:t>12/2/20</a:t>
+              <a:t>12/10/20</a:t>
             </a:fld>
             <a:endParaRPr lang="en-US"/>
           </a:p>
@@ -7179,7 +7179,7 @@
           <a:p>
             <a:fld id="{3C04E684-10F4-4CC3-A0B9-F03AA7BE37CF}" type="datetimeFigureOut">
               <a:rPr lang="en-US" smtClean="0"/>
-              <a:t>12/2/20</a:t>
+              <a:t>12/10/20</a:t>
             </a:fld>
             <a:endParaRPr lang="en-US"/>
           </a:p>
@@ -7979,7 +7979,7 @@
           <a:p>
             <a:fld id="{3C04E684-10F4-4CC3-A0B9-F03AA7BE37CF}" type="datetimeFigureOut">
               <a:rPr lang="en-US" smtClean="0"/>
-              <a:t>12/2/20</a:t>
+              <a:t>12/10/20</a:t>
             </a:fld>
             <a:endParaRPr lang="en-US"/>
           </a:p>
@@ -8930,7 +8930,7 @@
           <a:p>
             <a:fld id="{3C04E684-10F4-4CC3-A0B9-F03AA7BE37CF}" type="datetimeFigureOut">
               <a:rPr lang="en-US" smtClean="0"/>
-              <a:t>12/2/20</a:t>
+              <a:t>12/10/20</a:t>
             </a:fld>
             <a:endParaRPr lang="en-US"/>
           </a:p>
@@ -11279,7 +11279,7 @@
           <a:p>
             <a:fld id="{3C04E684-10F4-4CC3-A0B9-F03AA7BE37CF}" type="datetimeFigureOut">
               <a:rPr lang="en-US" smtClean="0"/>
-              <a:t>12/2/20</a:t>
+              <a:t>12/10/20</a:t>
             </a:fld>
             <a:endParaRPr lang="en-US"/>
           </a:p>
@@ -11392,7 +11392,7 @@
           <a:p>
             <a:fld id="{3C04E684-10F4-4CC3-A0B9-F03AA7BE37CF}" type="datetimeFigureOut">
               <a:rPr lang="en-US" smtClean="0"/>
-              <a:t>12/2/20</a:t>
+              <a:t>12/10/20</a:t>
             </a:fld>
             <a:endParaRPr lang="en-US"/>
           </a:p>
@@ -11899,7 +11899,7 @@
           <a:p>
             <a:fld id="{3C04E684-10F4-4CC3-A0B9-F03AA7BE37CF}" type="datetimeFigureOut">
               <a:rPr lang="en-US" smtClean="0"/>
-              <a:t>12/2/20</a:t>
+              <a:t>12/10/20</a:t>
             </a:fld>
             <a:endParaRPr lang="en-US"/>
           </a:p>
@@ -13202,7 +13202,7 @@
           <a:p>
             <a:fld id="{3C04E684-10F4-4CC3-A0B9-F03AA7BE37CF}" type="datetimeFigureOut">
               <a:rPr lang="en-US" smtClean="0"/>
-              <a:t>12/2/20</a:t>
+              <a:t>12/10/20</a:t>
             </a:fld>
             <a:endParaRPr lang="en-US"/>
           </a:p>
@@ -13449,7 +13449,7 @@
           <a:p>
             <a:fld id="{3C04E684-10F4-4CC3-A0B9-F03AA7BE37CF}" type="datetimeFigureOut">
               <a:rPr lang="en-US" smtClean="0"/>
-              <a:t>12/2/20</a:t>
+              <a:t>12/10/20</a:t>
             </a:fld>
             <a:endParaRPr lang="en-US"/>
           </a:p>
@@ -15813,6 +15813,292 @@
           <p:cNvPr id="2" name="Title 1">
             <a:extLst>
               <a:ext uri="{FF2B5EF4-FFF2-40B4-BE49-F238E27FC236}">
+                <a16:creationId xmlns:a16="http://schemas.microsoft.com/office/drawing/2014/main" id="{DB13D518-44CE-BD4A-A7E2-1DBF0F28B2D8}"/>
+              </a:ext>
+            </a:extLst>
+          </p:cNvPr>
+          <p:cNvSpPr>
+            <a:spLocks noGrp="1"/>
+          </p:cNvSpPr>
+          <p:nvPr>
+            <p:ph type="title"/>
+          </p:nvPr>
+        </p:nvSpPr>
+        <p:spPr/>
+        <p:txBody>
+          <a:bodyPr/>
+          <a:lstStyle/>
+          <a:p>
+            <a:r>
+              <a:rPr lang="en-GB" dirty="0"/>
+              <a:t>Libraries</a:t>
+            </a:r>
+          </a:p>
+        </p:txBody>
+      </p:sp>
+      <p:sp>
+        <p:nvSpPr>
+          <p:cNvPr id="3" name="Content Placeholder 2">
+            <a:extLst>
+              <a:ext uri="{FF2B5EF4-FFF2-40B4-BE49-F238E27FC236}">
+                <a16:creationId xmlns:a16="http://schemas.microsoft.com/office/drawing/2014/main" id="{649ABC19-037C-9D42-AD77-FB55EC66BEBB}"/>
+              </a:ext>
+            </a:extLst>
+          </p:cNvPr>
+          <p:cNvSpPr>
+            <a:spLocks noGrp="1"/>
+          </p:cNvSpPr>
+          <p:nvPr>
+            <p:ph idx="1"/>
+          </p:nvPr>
+        </p:nvSpPr>
+        <p:spPr>
+          <a:xfrm>
+            <a:off x="886691" y="2616690"/>
+            <a:ext cx="10515600" cy="3876185"/>
+          </a:xfrm>
+        </p:spPr>
+        <p:txBody>
+          <a:bodyPr>
+            <a:normAutofit fontScale="62500" lnSpcReduction="20000"/>
+          </a:bodyPr>
+          <a:lstStyle/>
+          <a:p>
+            <a:r>
+              <a:rPr lang="en-GB" dirty="0"/>
+              <a:t>The OG</a:t>
+            </a:r>
+          </a:p>
+          <a:p>
+            <a:r>
+              <a:rPr lang="en-GB" dirty="0"/>
+              <a:t>Comprehensive library for all kinds of visualisations</a:t>
+            </a:r>
+          </a:p>
+          <a:p>
+            <a:endParaRPr lang="en-GB" dirty="0"/>
+          </a:p>
+          <a:p>
+            <a:endParaRPr lang="en-GB" dirty="0"/>
+          </a:p>
+          <a:p>
+            <a:endParaRPr lang="en-GB" dirty="0"/>
+          </a:p>
+          <a:p>
+            <a:r>
+              <a:rPr lang="en-GB" dirty="0"/>
+              <a:t>Based on matplotlib</a:t>
+            </a:r>
+          </a:p>
+          <a:p>
+            <a:r>
+              <a:rPr lang="en-GB" dirty="0"/>
+              <a:t>High-level interface</a:t>
+            </a:r>
+          </a:p>
+          <a:p>
+            <a:r>
+              <a:rPr lang="en-GB" dirty="0"/>
+              <a:t>Some things are easier in Seaborn</a:t>
+            </a:r>
+          </a:p>
+          <a:p>
+            <a:endParaRPr lang="en-GB" dirty="0"/>
+          </a:p>
+          <a:p>
+            <a:endParaRPr lang="en-GB" dirty="0"/>
+          </a:p>
+          <a:p>
+            <a:r>
+              <a:rPr lang="en-GB" dirty="0"/>
+              <a:t>Lots of other add-ons libraries!</a:t>
+            </a:r>
+          </a:p>
+        </p:txBody>
+      </p:sp>
+      <p:pic>
+        <p:nvPicPr>
+          <p:cNvPr id="5" name="Picture 4">
+            <a:extLst>
+              <a:ext uri="{FF2B5EF4-FFF2-40B4-BE49-F238E27FC236}">
+                <a16:creationId xmlns:a16="http://schemas.microsoft.com/office/drawing/2014/main" id="{713277C4-108A-E743-92C8-050B8DB671C2}"/>
+              </a:ext>
+            </a:extLst>
+          </p:cNvPr>
+          <p:cNvPicPr>
+            <a:picLocks noChangeAspect="1"/>
+          </p:cNvPicPr>
+          <p:nvPr/>
+        </p:nvPicPr>
+        <p:blipFill>
+          <a:blip r:embed="rId3"/>
+          <a:stretch>
+            <a:fillRect/>
+          </a:stretch>
+        </p:blipFill>
+        <p:spPr>
+          <a:xfrm>
+            <a:off x="997527" y="1725164"/>
+            <a:ext cx="3304309" cy="777834"/>
+          </a:xfrm>
+          <a:prstGeom prst="rect">
+            <a:avLst/>
+          </a:prstGeom>
+        </p:spPr>
+      </p:pic>
+      <p:pic>
+        <p:nvPicPr>
+          <p:cNvPr id="6" name="Picture 5">
+            <a:extLst>
+              <a:ext uri="{FF2B5EF4-FFF2-40B4-BE49-F238E27FC236}">
+                <a16:creationId xmlns:a16="http://schemas.microsoft.com/office/drawing/2014/main" id="{31E3ACE2-1C14-C243-A6BC-1D468C8F371D}"/>
+              </a:ext>
+            </a:extLst>
+          </p:cNvPr>
+          <p:cNvPicPr>
+            <a:picLocks noChangeAspect="1"/>
+          </p:cNvPicPr>
+          <p:nvPr/>
+        </p:nvPicPr>
+        <p:blipFill>
+          <a:blip r:embed="rId4"/>
+          <a:stretch>
+            <a:fillRect/>
+          </a:stretch>
+        </p:blipFill>
+        <p:spPr>
+          <a:xfrm>
+            <a:off x="997527" y="3591778"/>
+            <a:ext cx="2899064" cy="744507"/>
+          </a:xfrm>
+          <a:prstGeom prst="rect">
+            <a:avLst/>
+          </a:prstGeom>
+        </p:spPr>
+      </p:pic>
+      <p:sp>
+        <p:nvSpPr>
+          <p:cNvPr id="4" name="TextBox 3">
+            <a:extLst>
+              <a:ext uri="{FF2B5EF4-FFF2-40B4-BE49-F238E27FC236}">
+                <a16:creationId xmlns:a16="http://schemas.microsoft.com/office/drawing/2014/main" id="{C9091E55-C0D8-B442-8EB5-6A7075D31B1C}"/>
+              </a:ext>
+            </a:extLst>
+          </p:cNvPr>
+          <p:cNvSpPr txBox="1"/>
+          <p:nvPr/>
+        </p:nvSpPr>
+        <p:spPr>
+          <a:xfrm>
+            <a:off x="7890166" y="2502998"/>
+            <a:ext cx="3304308" cy="369332"/>
+          </a:xfrm>
+          <a:prstGeom prst="rect">
+            <a:avLst/>
+          </a:prstGeom>
+          <a:noFill/>
+        </p:spPr>
+        <p:txBody>
+          <a:bodyPr wrap="square" rtlCol="0">
+            <a:spAutoFit/>
+          </a:bodyPr>
+          <a:lstStyle/>
+          <a:p>
+            <a:r>
+              <a:rPr lang="en-GB" dirty="0">
+                <a:hlinkClick r:id="rId5"/>
+              </a:rPr>
+              <a:t>Great </a:t>
+            </a:r>
+            <a:r>
+              <a:rPr lang="en-GB" dirty="0" err="1">
+                <a:hlinkClick r:id="rId5"/>
+              </a:rPr>
+              <a:t>MatPlotLib</a:t>
+            </a:r>
+            <a:r>
+              <a:rPr lang="en-GB" dirty="0">
+                <a:hlinkClick r:id="rId5"/>
+              </a:rPr>
+              <a:t> Tutorials</a:t>
+            </a:r>
+            <a:endParaRPr lang="en-GB" dirty="0"/>
+          </a:p>
+        </p:txBody>
+      </p:sp>
+      <p:sp>
+        <p:nvSpPr>
+          <p:cNvPr id="7" name="TextBox 6">
+            <a:extLst>
+              <a:ext uri="{FF2B5EF4-FFF2-40B4-BE49-F238E27FC236}">
+                <a16:creationId xmlns:a16="http://schemas.microsoft.com/office/drawing/2014/main" id="{E3D5AD4B-D7D9-364B-BB79-81634C6C639C}"/>
+              </a:ext>
+            </a:extLst>
+          </p:cNvPr>
+          <p:cNvSpPr txBox="1"/>
+          <p:nvPr/>
+        </p:nvSpPr>
+        <p:spPr>
+          <a:xfrm>
+            <a:off x="7890166" y="4313270"/>
+            <a:ext cx="3304308" cy="369332"/>
+          </a:xfrm>
+          <a:prstGeom prst="rect">
+            <a:avLst/>
+          </a:prstGeom>
+          <a:noFill/>
+        </p:spPr>
+        <p:txBody>
+          <a:bodyPr wrap="square" rtlCol="0">
+            <a:spAutoFit/>
+          </a:bodyPr>
+          <a:lstStyle/>
+          <a:p>
+            <a:r>
+              <a:rPr lang="en-GB" dirty="0">
+                <a:hlinkClick r:id="rId6"/>
+              </a:rPr>
+              <a:t>Great Seaborn Tutorials</a:t>
+            </a:r>
+            <a:endParaRPr lang="en-GB" dirty="0"/>
+          </a:p>
+        </p:txBody>
+      </p:sp>
+    </p:spTree>
+    <p:extLst>
+      <p:ext uri="{BB962C8B-B14F-4D97-AF65-F5344CB8AC3E}">
+        <p14:creationId xmlns:p14="http://schemas.microsoft.com/office/powerpoint/2010/main" val="2501581271"/>
+      </p:ext>
+    </p:extLst>
+  </p:cSld>
+  <p:clrMapOvr>
+    <a:masterClrMapping/>
+  </p:clrMapOvr>
+</p:sld>
+</file>
+
+<file path=ppt/slides/slide6.xml><?xml version="1.0" encoding="utf-8"?>
+<p:sld xmlns:a="http://schemas.openxmlformats.org/drawingml/2006/main" xmlns:r="http://schemas.openxmlformats.org/officeDocument/2006/relationships" xmlns:p="http://schemas.openxmlformats.org/presentationml/2006/main">
+  <p:cSld>
+    <p:spTree>
+      <p:nvGrpSpPr>
+        <p:cNvPr id="1" name=""/>
+        <p:cNvGrpSpPr/>
+        <p:nvPr/>
+      </p:nvGrpSpPr>
+      <p:grpSpPr>
+        <a:xfrm>
+          <a:off x="0" y="0"/>
+          <a:ext cx="0" cy="0"/>
+          <a:chOff x="0" y="0"/>
+          <a:chExt cx="0" cy="0"/>
+        </a:xfrm>
+      </p:grpSpPr>
+      <p:sp>
+        <p:nvSpPr>
+          <p:cNvPr id="2" name="Title 1">
+            <a:extLst>
+              <a:ext uri="{FF2B5EF4-FFF2-40B4-BE49-F238E27FC236}">
                 <a16:creationId xmlns:a16="http://schemas.microsoft.com/office/drawing/2014/main" id="{8F945AE0-A6F1-4D4E-9D47-46ADD9604F10}"/>
               </a:ext>
             </a:extLst>
@@ -15929,7 +16215,7 @@
 </p:sld>
 </file>
 
-<file path=ppt/slides/slide6.xml><?xml version="1.0" encoding="utf-8"?>
+<file path=ppt/slides/slide7.xml><?xml version="1.0" encoding="utf-8"?>
 <p:sld xmlns:a="http://schemas.openxmlformats.org/drawingml/2006/main" xmlns:r="http://schemas.openxmlformats.org/officeDocument/2006/relationships" xmlns:p="http://schemas.openxmlformats.org/presentationml/2006/main">
   <p:cSld>
     <p:spTree>
@@ -16083,7 +16369,7 @@
 </p:sld>
 </file>
 
-<file path=ppt/slides/slide7.xml><?xml version="1.0" encoding="utf-8"?>
+<file path=ppt/slides/slide8.xml><?xml version="1.0" encoding="utf-8"?>
 <p:sld xmlns:a="http://schemas.openxmlformats.org/drawingml/2006/main" xmlns:r="http://schemas.openxmlformats.org/officeDocument/2006/relationships" xmlns:p="http://schemas.openxmlformats.org/presentationml/2006/main">
   <p:cSld>
     <p:spTree>
@@ -16237,7 +16523,7 @@
 </p:sld>
 </file>
 
-<file path=ppt/slides/slide8.xml><?xml version="1.0" encoding="utf-8"?>
+<file path=ppt/slides/slide9.xml><?xml version="1.0" encoding="utf-8"?>
 <p:sld xmlns:a="http://schemas.openxmlformats.org/drawingml/2006/main" xmlns:r="http://schemas.openxmlformats.org/officeDocument/2006/relationships" xmlns:p="http://schemas.openxmlformats.org/presentationml/2006/main">
   <p:cSld>
     <p:spTree>
@@ -16405,204 +16691,6 @@
     <p:extLst>
       <p:ext uri="{BB962C8B-B14F-4D97-AF65-F5344CB8AC3E}">
         <p14:creationId xmlns:p14="http://schemas.microsoft.com/office/powerpoint/2010/main" val="1618513822"/>
-      </p:ext>
-    </p:extLst>
-  </p:cSld>
-  <p:clrMapOvr>
-    <a:masterClrMapping/>
-  </p:clrMapOvr>
-</p:sld>
-</file>
-
-<file path=ppt/slides/slide9.xml><?xml version="1.0" encoding="utf-8"?>
-<p:sld xmlns:a="http://schemas.openxmlformats.org/drawingml/2006/main" xmlns:r="http://schemas.openxmlformats.org/officeDocument/2006/relationships" xmlns:p="http://schemas.openxmlformats.org/presentationml/2006/main">
-  <p:cSld>
-    <p:spTree>
-      <p:nvGrpSpPr>
-        <p:cNvPr id="1" name=""/>
-        <p:cNvGrpSpPr/>
-        <p:nvPr/>
-      </p:nvGrpSpPr>
-      <p:grpSpPr>
-        <a:xfrm>
-          <a:off x="0" y="0"/>
-          <a:ext cx="0" cy="0"/>
-          <a:chOff x="0" y="0"/>
-          <a:chExt cx="0" cy="0"/>
-        </a:xfrm>
-      </p:grpSpPr>
-      <p:sp>
-        <p:nvSpPr>
-          <p:cNvPr id="2" name="Title 1">
-            <a:extLst>
-              <a:ext uri="{FF2B5EF4-FFF2-40B4-BE49-F238E27FC236}">
-                <a16:creationId xmlns:a16="http://schemas.microsoft.com/office/drawing/2014/main" id="{DB13D518-44CE-BD4A-A7E2-1DBF0F28B2D8}"/>
-              </a:ext>
-            </a:extLst>
-          </p:cNvPr>
-          <p:cNvSpPr>
-            <a:spLocks noGrp="1"/>
-          </p:cNvSpPr>
-          <p:nvPr>
-            <p:ph type="title"/>
-          </p:nvPr>
-        </p:nvSpPr>
-        <p:spPr/>
-        <p:txBody>
-          <a:bodyPr/>
-          <a:lstStyle/>
-          <a:p>
-            <a:r>
-              <a:rPr lang="en-GB" dirty="0"/>
-              <a:t>Libraries</a:t>
-            </a:r>
-          </a:p>
-        </p:txBody>
-      </p:sp>
-      <p:sp>
-        <p:nvSpPr>
-          <p:cNvPr id="3" name="Content Placeholder 2">
-            <a:extLst>
-              <a:ext uri="{FF2B5EF4-FFF2-40B4-BE49-F238E27FC236}">
-                <a16:creationId xmlns:a16="http://schemas.microsoft.com/office/drawing/2014/main" id="{649ABC19-037C-9D42-AD77-FB55EC66BEBB}"/>
-              </a:ext>
-            </a:extLst>
-          </p:cNvPr>
-          <p:cNvSpPr>
-            <a:spLocks noGrp="1"/>
-          </p:cNvSpPr>
-          <p:nvPr>
-            <p:ph idx="1"/>
-          </p:nvPr>
-        </p:nvSpPr>
-        <p:spPr>
-          <a:xfrm>
-            <a:off x="886691" y="2616690"/>
-            <a:ext cx="10515600" cy="3876185"/>
-          </a:xfrm>
-        </p:spPr>
-        <p:txBody>
-          <a:bodyPr>
-            <a:normAutofit fontScale="62500" lnSpcReduction="20000"/>
-          </a:bodyPr>
-          <a:lstStyle/>
-          <a:p>
-            <a:r>
-              <a:rPr lang="en-GB" dirty="0"/>
-              <a:t>The OG</a:t>
-            </a:r>
-          </a:p>
-          <a:p>
-            <a:r>
-              <a:rPr lang="en-GB" dirty="0"/>
-              <a:t>Comprehensive library for all kinds of visualisations</a:t>
-            </a:r>
-          </a:p>
-          <a:p>
-            <a:endParaRPr lang="en-GB" dirty="0"/>
-          </a:p>
-          <a:p>
-            <a:endParaRPr lang="en-GB" dirty="0"/>
-          </a:p>
-          <a:p>
-            <a:endParaRPr lang="en-GB" dirty="0"/>
-          </a:p>
-          <a:p>
-            <a:r>
-              <a:rPr lang="en-GB" dirty="0"/>
-              <a:t>Based on matplotlib</a:t>
-            </a:r>
-          </a:p>
-          <a:p>
-            <a:r>
-              <a:rPr lang="en-GB" dirty="0"/>
-              <a:t>High-level interface</a:t>
-            </a:r>
-          </a:p>
-          <a:p>
-            <a:r>
-              <a:rPr lang="en-GB" dirty="0"/>
-              <a:t>Some things are easier in Seaborn</a:t>
-            </a:r>
-          </a:p>
-          <a:p>
-            <a:endParaRPr lang="en-GB" dirty="0"/>
-          </a:p>
-          <a:p>
-            <a:endParaRPr lang="en-GB" dirty="0"/>
-          </a:p>
-          <a:p>
-            <a:r>
-              <a:rPr lang="en-GB" dirty="0"/>
-              <a:t>Lots of other add-ons libraries!</a:t>
-            </a:r>
-          </a:p>
-        </p:txBody>
-      </p:sp>
-      <p:pic>
-        <p:nvPicPr>
-          <p:cNvPr id="5" name="Picture 4">
-            <a:extLst>
-              <a:ext uri="{FF2B5EF4-FFF2-40B4-BE49-F238E27FC236}">
-                <a16:creationId xmlns:a16="http://schemas.microsoft.com/office/drawing/2014/main" id="{713277C4-108A-E743-92C8-050B8DB671C2}"/>
-              </a:ext>
-            </a:extLst>
-          </p:cNvPr>
-          <p:cNvPicPr>
-            <a:picLocks noChangeAspect="1"/>
-          </p:cNvPicPr>
-          <p:nvPr/>
-        </p:nvPicPr>
-        <p:blipFill>
-          <a:blip r:embed="rId3"/>
-          <a:stretch>
-            <a:fillRect/>
-          </a:stretch>
-        </p:blipFill>
-        <p:spPr>
-          <a:xfrm>
-            <a:off x="997527" y="1725164"/>
-            <a:ext cx="3304309" cy="777834"/>
-          </a:xfrm>
-          <a:prstGeom prst="rect">
-            <a:avLst/>
-          </a:prstGeom>
-        </p:spPr>
-      </p:pic>
-      <p:pic>
-        <p:nvPicPr>
-          <p:cNvPr id="6" name="Picture 5">
-            <a:extLst>
-              <a:ext uri="{FF2B5EF4-FFF2-40B4-BE49-F238E27FC236}">
-                <a16:creationId xmlns:a16="http://schemas.microsoft.com/office/drawing/2014/main" id="{31E3ACE2-1C14-C243-A6BC-1D468C8F371D}"/>
-              </a:ext>
-            </a:extLst>
-          </p:cNvPr>
-          <p:cNvPicPr>
-            <a:picLocks noChangeAspect="1"/>
-          </p:cNvPicPr>
-          <p:nvPr/>
-        </p:nvPicPr>
-        <p:blipFill>
-          <a:blip r:embed="rId4"/>
-          <a:stretch>
-            <a:fillRect/>
-          </a:stretch>
-        </p:blipFill>
-        <p:spPr>
-          <a:xfrm>
-            <a:off x="997527" y="3591778"/>
-            <a:ext cx="2899064" cy="744507"/>
-          </a:xfrm>
-          <a:prstGeom prst="rect">
-            <a:avLst/>
-          </a:prstGeom>
-        </p:spPr>
-      </p:pic>
-    </p:spTree>
-    <p:extLst>
-      <p:ext uri="{BB962C8B-B14F-4D97-AF65-F5344CB8AC3E}">
-        <p14:creationId xmlns:p14="http://schemas.microsoft.com/office/powerpoint/2010/main" val="2501581271"/>
       </p:ext>
     </p:extLst>
   </p:cSld>

--- a/104 - Data Visualisation/104 - Data Visualisation.pptx
+++ b/104 - Data Visualisation/104 - Data Visualisation.pptx
@@ -206,7 +206,7 @@
           <a:p>
             <a:fld id="{A3A8C8F4-CD58-E940-8A51-A89BC67DB5FA}" type="datetimeFigureOut">
               <a:rPr lang="en-GB" smtClean="0"/>
-              <a:t>10/12/2020</a:t>
+              <a:t>07/01/2021</a:t>
             </a:fld>
             <a:endParaRPr lang="en-GB"/>
           </a:p>
@@ -2904,7 +2904,7 @@
           <a:p>
             <a:fld id="{3C04E684-10F4-4CC3-A0B9-F03AA7BE37CF}" type="datetimeFigureOut">
               <a:rPr lang="en-US" smtClean="0"/>
-              <a:t>12/10/20</a:t>
+              <a:t>1/7/21</a:t>
             </a:fld>
             <a:endParaRPr lang="en-US"/>
           </a:p>
@@ -5394,7 +5394,7 @@
           <a:p>
             <a:fld id="{3C04E684-10F4-4CC3-A0B9-F03AA7BE37CF}" type="datetimeFigureOut">
               <a:rPr lang="en-US" smtClean="0"/>
-              <a:t>12/10/20</a:t>
+              <a:t>1/7/21</a:t>
             </a:fld>
             <a:endParaRPr lang="en-US"/>
           </a:p>
@@ -5592,7 +5592,7 @@
           <a:p>
             <a:fld id="{3C04E684-10F4-4CC3-A0B9-F03AA7BE37CF}" type="datetimeFigureOut">
               <a:rPr lang="en-US" smtClean="0"/>
-              <a:t>12/10/20</a:t>
+              <a:t>1/7/21</a:t>
             </a:fld>
             <a:endParaRPr lang="en-US"/>
           </a:p>
@@ -5800,7 +5800,7 @@
           <a:p>
             <a:fld id="{3C04E684-10F4-4CC3-A0B9-F03AA7BE37CF}" type="datetimeFigureOut">
               <a:rPr lang="en-US" smtClean="0"/>
-              <a:t>12/10/20</a:t>
+              <a:t>1/7/21</a:t>
             </a:fld>
             <a:endParaRPr lang="en-US"/>
           </a:p>
@@ -6537,7 +6537,7 @@
           <a:p>
             <a:fld id="{3C04E684-10F4-4CC3-A0B9-F03AA7BE37CF}" type="datetimeFigureOut">
               <a:rPr lang="en-US" smtClean="0"/>
-              <a:t>12/10/20</a:t>
+              <a:t>1/7/21</a:t>
             </a:fld>
             <a:endParaRPr lang="en-US"/>
           </a:p>
@@ -7179,7 +7179,7 @@
           <a:p>
             <a:fld id="{3C04E684-10F4-4CC3-A0B9-F03AA7BE37CF}" type="datetimeFigureOut">
               <a:rPr lang="en-US" smtClean="0"/>
-              <a:t>12/10/20</a:t>
+              <a:t>1/7/21</a:t>
             </a:fld>
             <a:endParaRPr lang="en-US"/>
           </a:p>
@@ -7979,7 +7979,7 @@
           <a:p>
             <a:fld id="{3C04E684-10F4-4CC3-A0B9-F03AA7BE37CF}" type="datetimeFigureOut">
               <a:rPr lang="en-US" smtClean="0"/>
-              <a:t>12/10/20</a:t>
+              <a:t>1/7/21</a:t>
             </a:fld>
             <a:endParaRPr lang="en-US"/>
           </a:p>
@@ -8930,7 +8930,7 @@
           <a:p>
             <a:fld id="{3C04E684-10F4-4CC3-A0B9-F03AA7BE37CF}" type="datetimeFigureOut">
               <a:rPr lang="en-US" smtClean="0"/>
-              <a:t>12/10/20</a:t>
+              <a:t>1/7/21</a:t>
             </a:fld>
             <a:endParaRPr lang="en-US"/>
           </a:p>
@@ -11279,7 +11279,7 @@
           <a:p>
             <a:fld id="{3C04E684-10F4-4CC3-A0B9-F03AA7BE37CF}" type="datetimeFigureOut">
               <a:rPr lang="en-US" smtClean="0"/>
-              <a:t>12/10/20</a:t>
+              <a:t>1/7/21</a:t>
             </a:fld>
             <a:endParaRPr lang="en-US"/>
           </a:p>
@@ -11392,7 +11392,7 @@
           <a:p>
             <a:fld id="{3C04E684-10F4-4CC3-A0B9-F03AA7BE37CF}" type="datetimeFigureOut">
               <a:rPr lang="en-US" smtClean="0"/>
-              <a:t>12/10/20</a:t>
+              <a:t>1/7/21</a:t>
             </a:fld>
             <a:endParaRPr lang="en-US"/>
           </a:p>
@@ -11899,7 +11899,7 @@
           <a:p>
             <a:fld id="{3C04E684-10F4-4CC3-A0B9-F03AA7BE37CF}" type="datetimeFigureOut">
               <a:rPr lang="en-US" smtClean="0"/>
-              <a:t>12/10/20</a:t>
+              <a:t>1/7/21</a:t>
             </a:fld>
             <a:endParaRPr lang="en-US"/>
           </a:p>
@@ -13202,7 +13202,7 @@
           <a:p>
             <a:fld id="{3C04E684-10F4-4CC3-A0B9-F03AA7BE37CF}" type="datetimeFigureOut">
               <a:rPr lang="en-US" smtClean="0"/>
-              <a:t>12/10/20</a:t>
+              <a:t>1/7/21</a:t>
             </a:fld>
             <a:endParaRPr lang="en-US"/>
           </a:p>
@@ -13449,7 +13449,7 @@
           <a:p>
             <a:fld id="{3C04E684-10F4-4CC3-A0B9-F03AA7BE37CF}" type="datetimeFigureOut">
               <a:rPr lang="en-US" smtClean="0"/>
-              <a:t>12/10/20</a:t>
+              <a:t>1/7/21</a:t>
             </a:fld>
             <a:endParaRPr lang="en-US"/>
           </a:p>
@@ -14913,9 +14913,10 @@
           <a:lstStyle/>
           <a:p>
             <a:r>
-              <a:rPr lang="en-GB" dirty="0"/>
-              <a:t>Proposed Plan</a:t>
+              <a:rPr lang="en-GB"/>
+              <a:t>Schedule</a:t>
             </a:r>
+            <a:endParaRPr lang="en-GB" dirty="0"/>
           </a:p>
         </p:txBody>
       </p:sp>
@@ -15547,6 +15548,38 @@
           </a:graphicData>
         </a:graphic>
       </p:graphicFrame>
+      <p:sp>
+        <p:nvSpPr>
+          <p:cNvPr id="3" name="TextBox 2">
+            <a:extLst>
+              <a:ext uri="{FF2B5EF4-FFF2-40B4-BE49-F238E27FC236}">
+                <a16:creationId xmlns:a16="http://schemas.microsoft.com/office/drawing/2014/main" id="{600D80D2-08E6-FD46-A16A-78E87C444348}"/>
+              </a:ext>
+            </a:extLst>
+          </p:cNvPr>
+          <p:cNvSpPr txBox="1"/>
+          <p:nvPr/>
+        </p:nvSpPr>
+        <p:spPr>
+          <a:xfrm>
+            <a:off x="2762054" y="688157"/>
+            <a:ext cx="184731" cy="369332"/>
+          </a:xfrm>
+          <a:prstGeom prst="rect">
+            <a:avLst/>
+          </a:prstGeom>
+          <a:noFill/>
+        </p:spPr>
+        <p:txBody>
+          <a:bodyPr wrap="none" rtlCol="0">
+            <a:spAutoFit/>
+          </a:bodyPr>
+          <a:lstStyle/>
+          <a:p>
+            <a:endParaRPr lang="en-GB" dirty="0"/>
+          </a:p>
+        </p:txBody>
+      </p:sp>
     </p:spTree>
     <p:extLst>
       <p:ext uri="{BB962C8B-B14F-4D97-AF65-F5344CB8AC3E}">
